--- a/current_submission/Methods_visual.pptx
+++ b/current_submission/Methods_visual.pptx
@@ -104,7 +104,113 @@
       </a:defRPr>
     </a:lvl9pPr>
   </p:defaultTextStyle>
+  <p:extLst>
+    <p:ext uri="{EFAFB233-063F-42B5-8137-9DF3F51BA10A}">
+      <p15:sldGuideLst xmlns:p15="http://schemas.microsoft.com/office/powerpoint/2012/main"/>
+    </p:ext>
+  </p:extLst>
 </p:presentation>
+</file>
+
+<file path=ppt/changesInfos/changesInfo1.xml><?xml version="1.0" encoding="utf-8"?>
+<pc:chgInfo xmlns:a="http://schemas.openxmlformats.org/drawingml/2006/main" xmlns:r="http://schemas.openxmlformats.org/officeDocument/2006/relationships" xmlns:ac="http://schemas.microsoft.com/office/drawing/2013/main/command" xmlns:pc="http://schemas.microsoft.com/office/powerpoint/2013/main/command">
+  <pc:docChgLst>
+    <pc:chgData name="Stachowski, Alicia" userId="8d8bb751-d8e6-49ef-8598-5f8fd7e84344" providerId="ADAL" clId="{551A6C25-DCC9-4F09-8CDB-88290CB5A953}"/>
+    <pc:docChg chg="modSld">
+      <pc:chgData name="Stachowski, Alicia" userId="8d8bb751-d8e6-49ef-8598-5f8fd7e84344" providerId="ADAL" clId="{551A6C25-DCC9-4F09-8CDB-88290CB5A953}" dt="2025-04-14T13:56:43.792" v="0" actId="2711"/>
+      <pc:docMkLst>
+        <pc:docMk/>
+      </pc:docMkLst>
+      <pc:sldChg chg="modSp mod">
+        <pc:chgData name="Stachowski, Alicia" userId="8d8bb751-d8e6-49ef-8598-5f8fd7e84344" providerId="ADAL" clId="{551A6C25-DCC9-4F09-8CDB-88290CB5A953}" dt="2025-04-14T13:56:43.792" v="0" actId="2711"/>
+        <pc:sldMkLst>
+          <pc:docMk/>
+          <pc:sldMk cId="369818155" sldId="256"/>
+        </pc:sldMkLst>
+        <pc:spChg chg="mod">
+          <ac:chgData name="Stachowski, Alicia" userId="8d8bb751-d8e6-49ef-8598-5f8fd7e84344" providerId="ADAL" clId="{551A6C25-DCC9-4F09-8CDB-88290CB5A953}" dt="2025-04-14T13:56:43.792" v="0" actId="2711"/>
+          <ac:spMkLst>
+            <pc:docMk/>
+            <pc:sldMk cId="369818155" sldId="256"/>
+            <ac:spMk id="4" creationId="{D6D50E7F-7CF1-7411-456C-D4D5F3C98027}"/>
+          </ac:spMkLst>
+        </pc:spChg>
+        <pc:spChg chg="mod">
+          <ac:chgData name="Stachowski, Alicia" userId="8d8bb751-d8e6-49ef-8598-5f8fd7e84344" providerId="ADAL" clId="{551A6C25-DCC9-4F09-8CDB-88290CB5A953}" dt="2025-04-14T13:56:43.792" v="0" actId="2711"/>
+          <ac:spMkLst>
+            <pc:docMk/>
+            <pc:sldMk cId="369818155" sldId="256"/>
+            <ac:spMk id="5" creationId="{4A64EF93-994E-3D5E-BB2B-5AA4A5A07582}"/>
+          </ac:spMkLst>
+        </pc:spChg>
+        <pc:spChg chg="mod">
+          <ac:chgData name="Stachowski, Alicia" userId="8d8bb751-d8e6-49ef-8598-5f8fd7e84344" providerId="ADAL" clId="{551A6C25-DCC9-4F09-8CDB-88290CB5A953}" dt="2025-04-14T13:56:43.792" v="0" actId="2711"/>
+          <ac:spMkLst>
+            <pc:docMk/>
+            <pc:sldMk cId="369818155" sldId="256"/>
+            <ac:spMk id="6" creationId="{C19EC337-51C0-FBF7-AF6A-0AE81D7C1113}"/>
+          </ac:spMkLst>
+        </pc:spChg>
+        <pc:spChg chg="mod">
+          <ac:chgData name="Stachowski, Alicia" userId="8d8bb751-d8e6-49ef-8598-5f8fd7e84344" providerId="ADAL" clId="{551A6C25-DCC9-4F09-8CDB-88290CB5A953}" dt="2025-04-14T13:56:43.792" v="0" actId="2711"/>
+          <ac:spMkLst>
+            <pc:docMk/>
+            <pc:sldMk cId="369818155" sldId="256"/>
+            <ac:spMk id="7" creationId="{7FB76D4A-F842-8446-1F97-6A2AF2AA851B}"/>
+          </ac:spMkLst>
+        </pc:spChg>
+        <pc:spChg chg="mod">
+          <ac:chgData name="Stachowski, Alicia" userId="8d8bb751-d8e6-49ef-8598-5f8fd7e84344" providerId="ADAL" clId="{551A6C25-DCC9-4F09-8CDB-88290CB5A953}" dt="2025-04-14T13:56:43.792" v="0" actId="2711"/>
+          <ac:spMkLst>
+            <pc:docMk/>
+            <pc:sldMk cId="369818155" sldId="256"/>
+            <ac:spMk id="8" creationId="{B420C0C5-CD8D-013E-1F35-4EA3493D9485}"/>
+          </ac:spMkLst>
+        </pc:spChg>
+        <pc:spChg chg="mod">
+          <ac:chgData name="Stachowski, Alicia" userId="8d8bb751-d8e6-49ef-8598-5f8fd7e84344" providerId="ADAL" clId="{551A6C25-DCC9-4F09-8CDB-88290CB5A953}" dt="2025-04-14T13:56:43.792" v="0" actId="2711"/>
+          <ac:spMkLst>
+            <pc:docMk/>
+            <pc:sldMk cId="369818155" sldId="256"/>
+            <ac:spMk id="17" creationId="{41EC8F67-C8C0-C0AD-1ADD-8EB6190C7B88}"/>
+          </ac:spMkLst>
+        </pc:spChg>
+        <pc:spChg chg="mod">
+          <ac:chgData name="Stachowski, Alicia" userId="8d8bb751-d8e6-49ef-8598-5f8fd7e84344" providerId="ADAL" clId="{551A6C25-DCC9-4F09-8CDB-88290CB5A953}" dt="2025-04-14T13:56:43.792" v="0" actId="2711"/>
+          <ac:spMkLst>
+            <pc:docMk/>
+            <pc:sldMk cId="369818155" sldId="256"/>
+            <ac:spMk id="22" creationId="{BBB76356-D009-BA90-2922-87E791475681}"/>
+          </ac:spMkLst>
+        </pc:spChg>
+        <pc:spChg chg="mod">
+          <ac:chgData name="Stachowski, Alicia" userId="8d8bb751-d8e6-49ef-8598-5f8fd7e84344" providerId="ADAL" clId="{551A6C25-DCC9-4F09-8CDB-88290CB5A953}" dt="2025-04-14T13:56:43.792" v="0" actId="2711"/>
+          <ac:spMkLst>
+            <pc:docMk/>
+            <pc:sldMk cId="369818155" sldId="256"/>
+            <ac:spMk id="23" creationId="{A25C7C95-C34D-7937-45FC-E362BD302C4B}"/>
+          </ac:spMkLst>
+        </pc:spChg>
+        <pc:spChg chg="mod">
+          <ac:chgData name="Stachowski, Alicia" userId="8d8bb751-d8e6-49ef-8598-5f8fd7e84344" providerId="ADAL" clId="{551A6C25-DCC9-4F09-8CDB-88290CB5A953}" dt="2025-04-14T13:56:43.792" v="0" actId="2711"/>
+          <ac:spMkLst>
+            <pc:docMk/>
+            <pc:sldMk cId="369818155" sldId="256"/>
+            <ac:spMk id="24" creationId="{9C039576-D6C0-C0AF-42DA-40CDC4E0836F}"/>
+          </ac:spMkLst>
+        </pc:spChg>
+        <pc:spChg chg="mod">
+          <ac:chgData name="Stachowski, Alicia" userId="8d8bb751-d8e6-49ef-8598-5f8fd7e84344" providerId="ADAL" clId="{551A6C25-DCC9-4F09-8CDB-88290CB5A953}" dt="2025-04-14T13:56:43.792" v="0" actId="2711"/>
+          <ac:spMkLst>
+            <pc:docMk/>
+            <pc:sldMk cId="369818155" sldId="256"/>
+            <ac:spMk id="25" creationId="{AAE9FB60-C046-DF75-B11F-EF280D2EBF3A}"/>
+          </ac:spMkLst>
+        </pc:spChg>
+      </pc:sldChg>
+    </pc:docChg>
+  </pc:docChgLst>
+</pc:chgInfo>
 </file>
 
 <file path=ppt/slideLayouts/slideLayout1.xml><?xml version="1.0" encoding="utf-8"?>
@@ -3356,7 +3462,10 @@
           <a:p>
             <a:pPr algn="ctr"/>
             <a:r>
-              <a:rPr lang="en-US" sz="1600" dirty="0"/>
+              <a:rPr lang="en-US" sz="1600" dirty="0">
+                <a:latin typeface="Times New Roman" panose="02020603050405020304" pitchFamily="18" charset="0"/>
+                <a:cs typeface="Times New Roman" panose="02020603050405020304" pitchFamily="18" charset="0"/>
+              </a:rPr>
               <a:t>O*NET Items</a:t>
             </a:r>
           </a:p>
@@ -3403,6 +3512,8 @@
                     <a:lumMod val="75000"/>
                   </a:schemeClr>
                 </a:solidFill>
+                <a:latin typeface="Times New Roman" panose="02020603050405020304" pitchFamily="18" charset="0"/>
+                <a:cs typeface="Times New Roman" panose="02020603050405020304" pitchFamily="18" charset="0"/>
               </a:rPr>
               <a:t>Skills (k = 35</a:t>
             </a:r>
@@ -3444,7 +3555,10 @@
           <a:p>
             <a:pPr algn="ctr"/>
             <a:r>
-              <a:rPr lang="en-US" sz="1600" dirty="0"/>
+              <a:rPr lang="en-US" sz="1600" dirty="0">
+                <a:latin typeface="Times New Roman" panose="02020603050405020304" pitchFamily="18" charset="0"/>
+                <a:cs typeface="Times New Roman" panose="02020603050405020304" pitchFamily="18" charset="0"/>
+              </a:rPr>
               <a:t>Work Activities (k = 41)</a:t>
             </a:r>
           </a:p>
@@ -3485,7 +3599,10 @@
           <a:p>
             <a:pPr algn="ctr"/>
             <a:r>
-              <a:rPr lang="en-US" sz="1600" dirty="0"/>
+              <a:rPr lang="en-US" sz="1600" dirty="0">
+                <a:latin typeface="Times New Roman" panose="02020603050405020304" pitchFamily="18" charset="0"/>
+                <a:cs typeface="Times New Roman" panose="02020603050405020304" pitchFamily="18" charset="0"/>
+              </a:rPr>
               <a:t>Work Context (k = 57)</a:t>
             </a:r>
           </a:p>
@@ -3532,6 +3649,8 @@
                     <a:lumMod val="75000"/>
                   </a:schemeClr>
                 </a:solidFill>
+                <a:latin typeface="Times New Roman" panose="02020603050405020304" pitchFamily="18" charset="0"/>
+                <a:cs typeface="Times New Roman" panose="02020603050405020304" pitchFamily="18" charset="0"/>
               </a:rPr>
               <a:t>Knowledge (k = 33)</a:t>
             </a:r>
@@ -3659,6 +3778,8 @@
                   <a:srgbClr val="32363A"/>
                 </a:solidFill>
                 <a:effectLst/>
+                <a:latin typeface="Times New Roman" panose="02020603050405020304" pitchFamily="18" charset="0"/>
+                <a:cs typeface="Times New Roman" panose="02020603050405020304" pitchFamily="18" charset="0"/>
               </a:rPr>
               <a:t>Respondents given the following instruction: This first group of questions will ask you to think about specifics about the context of your work, and activities on the job. Some may not apply to you, and there will be an answer choice to reflect that. </a:t>
             </a:r>
@@ -3668,6 +3789,8 @@
               <a:solidFill>
                 <a:srgbClr val="32363A"/>
               </a:solidFill>
+              <a:latin typeface="Times New Roman" panose="02020603050405020304" pitchFamily="18" charset="0"/>
+              <a:cs typeface="Times New Roman" panose="02020603050405020304" pitchFamily="18" charset="0"/>
             </a:endParaRPr>
           </a:p>
           <a:p>
@@ -3676,6 +3799,8 @@
                 <a:solidFill>
                   <a:srgbClr val="32363A"/>
                 </a:solidFill>
+                <a:latin typeface="Times New Roman" panose="02020603050405020304" pitchFamily="18" charset="0"/>
+                <a:cs typeface="Times New Roman" panose="02020603050405020304" pitchFamily="18" charset="0"/>
               </a:rPr>
               <a:t>Example: </a:t>
             </a:r>
@@ -3685,6 +3810,8 @@
                   <a:srgbClr val="32363A"/>
                 </a:solidFill>
                 <a:effectLst/>
+                <a:latin typeface="Times New Roman" panose="02020603050405020304" pitchFamily="18" charset="0"/>
+                <a:cs typeface="Times New Roman" panose="02020603050405020304" pitchFamily="18" charset="0"/>
               </a:rPr>
               <a:t>How often does your job require working outdoors, under cover (e.g., structure with roof but no walls)?  </a:t>
             </a:r>
@@ -3693,6 +3820,8 @@
                 <a:solidFill>
                   <a:srgbClr val="32363A"/>
                 </a:solidFill>
+                <a:latin typeface="Times New Roman" panose="02020603050405020304" pitchFamily="18" charset="0"/>
+                <a:cs typeface="Times New Roman" panose="02020603050405020304" pitchFamily="18" charset="0"/>
               </a:rPr>
               <a:t>Never to Every day</a:t>
             </a:r>
@@ -3774,7 +3903,10 @@
           <a:lstStyle/>
           <a:p>
             <a:r>
-              <a:rPr lang="en-US" sz="1600" dirty="0"/>
+              <a:rPr lang="en-US" sz="1600" dirty="0">
+                <a:latin typeface="Times New Roman" panose="02020603050405020304" pitchFamily="18" charset="0"/>
+                <a:cs typeface="Times New Roman" panose="02020603050405020304" pitchFamily="18" charset="0"/>
+              </a:rPr>
               <a:t>Rate the level of resource (...this aspect of your job is a resource that can be functional in achieving work goals, reduce job demands, or stimulate personal growth/development)</a:t>
             </a:r>
           </a:p>
@@ -3814,7 +3946,10 @@
           <a:lstStyle/>
           <a:p>
             <a:r>
-              <a:rPr lang="en-US" sz="1600" dirty="0"/>
+              <a:rPr lang="en-US" sz="1600" dirty="0">
+                <a:latin typeface="Times New Roman" panose="02020603050405020304" pitchFamily="18" charset="0"/>
+                <a:cs typeface="Times New Roman" panose="02020603050405020304" pitchFamily="18" charset="0"/>
+              </a:rPr>
               <a:t>For all items that applied to one’s job (did not receive the lowest answer (e.g., never, not at all important), level of resource, challenge, and hindrance were rated:</a:t>
             </a:r>
           </a:p>
@@ -3854,7 +3989,10 @@
           <a:lstStyle/>
           <a:p>
             <a:r>
-              <a:rPr lang="en-US" sz="1600" dirty="0"/>
+              <a:rPr lang="en-US" sz="1600" dirty="0">
+                <a:latin typeface="Times New Roman" panose="02020603050405020304" pitchFamily="18" charset="0"/>
+                <a:cs typeface="Times New Roman" panose="02020603050405020304" pitchFamily="18" charset="0"/>
+              </a:rPr>
               <a:t>Rate the level of challenge (...this aspect of your job is a challenge that can promote mastery, personal growth, or future gains)</a:t>
             </a:r>
           </a:p>
@@ -3894,7 +4032,10 @@
           <a:lstStyle/>
           <a:p>
             <a:r>
-              <a:rPr lang="en-US" sz="1600" dirty="0"/>
+              <a:rPr lang="en-US" sz="1600" dirty="0">
+                <a:latin typeface="Times New Roman" panose="02020603050405020304" pitchFamily="18" charset="0"/>
+                <a:cs typeface="Times New Roman" panose="02020603050405020304" pitchFamily="18" charset="0"/>
+              </a:rPr>
               <a:t>Rate the level of hindrance (...this aspect of your job is a hindrance that can inhibit personal growth, learning, and work goal attainment)</a:t>
             </a:r>
           </a:p>

--- a/current_submission/Methods_visual.pptx
+++ b/current_submission/Methods_visual.pptx
@@ -117,18 +117,18 @@
   <pc:docChgLst>
     <pc:chgData name="Stachowski, Alicia" userId="8d8bb751-d8e6-49ef-8598-5f8fd7e84344" providerId="ADAL" clId="{551A6C25-DCC9-4F09-8CDB-88290CB5A953}"/>
     <pc:docChg chg="modSld">
-      <pc:chgData name="Stachowski, Alicia" userId="8d8bb751-d8e6-49ef-8598-5f8fd7e84344" providerId="ADAL" clId="{551A6C25-DCC9-4F09-8CDB-88290CB5A953}" dt="2025-04-14T13:56:43.792" v="0" actId="2711"/>
+      <pc:chgData name="Stachowski, Alicia" userId="8d8bb751-d8e6-49ef-8598-5f8fd7e84344" providerId="ADAL" clId="{551A6C25-DCC9-4F09-8CDB-88290CB5A953}" dt="2025-04-14T15:14:52.350" v="29" actId="207"/>
       <pc:docMkLst>
         <pc:docMk/>
       </pc:docMkLst>
       <pc:sldChg chg="modSp mod">
-        <pc:chgData name="Stachowski, Alicia" userId="8d8bb751-d8e6-49ef-8598-5f8fd7e84344" providerId="ADAL" clId="{551A6C25-DCC9-4F09-8CDB-88290CB5A953}" dt="2025-04-14T13:56:43.792" v="0" actId="2711"/>
+        <pc:chgData name="Stachowski, Alicia" userId="8d8bb751-d8e6-49ef-8598-5f8fd7e84344" providerId="ADAL" clId="{551A6C25-DCC9-4F09-8CDB-88290CB5A953}" dt="2025-04-14T15:14:52.350" v="29" actId="207"/>
         <pc:sldMkLst>
           <pc:docMk/>
           <pc:sldMk cId="369818155" sldId="256"/>
         </pc:sldMkLst>
         <pc:spChg chg="mod">
-          <ac:chgData name="Stachowski, Alicia" userId="8d8bb751-d8e6-49ef-8598-5f8fd7e84344" providerId="ADAL" clId="{551A6C25-DCC9-4F09-8CDB-88290CB5A953}" dt="2025-04-14T13:56:43.792" v="0" actId="2711"/>
+          <ac:chgData name="Stachowski, Alicia" userId="8d8bb751-d8e6-49ef-8598-5f8fd7e84344" providerId="ADAL" clId="{551A6C25-DCC9-4F09-8CDB-88290CB5A953}" dt="2025-04-14T15:14:38.916" v="28" actId="1035"/>
           <ac:spMkLst>
             <pc:docMk/>
             <pc:sldMk cId="369818155" sldId="256"/>
@@ -136,7 +136,7 @@
           </ac:spMkLst>
         </pc:spChg>
         <pc:spChg chg="mod">
-          <ac:chgData name="Stachowski, Alicia" userId="8d8bb751-d8e6-49ef-8598-5f8fd7e84344" providerId="ADAL" clId="{551A6C25-DCC9-4F09-8CDB-88290CB5A953}" dt="2025-04-14T13:56:43.792" v="0" actId="2711"/>
+          <ac:chgData name="Stachowski, Alicia" userId="8d8bb751-d8e6-49ef-8598-5f8fd7e84344" providerId="ADAL" clId="{551A6C25-DCC9-4F09-8CDB-88290CB5A953}" dt="2025-04-14T15:14:38.916" v="28" actId="1035"/>
           <ac:spMkLst>
             <pc:docMk/>
             <pc:sldMk cId="369818155" sldId="256"/>
@@ -144,7 +144,7 @@
           </ac:spMkLst>
         </pc:spChg>
         <pc:spChg chg="mod">
-          <ac:chgData name="Stachowski, Alicia" userId="8d8bb751-d8e6-49ef-8598-5f8fd7e84344" providerId="ADAL" clId="{551A6C25-DCC9-4F09-8CDB-88290CB5A953}" dt="2025-04-14T13:56:43.792" v="0" actId="2711"/>
+          <ac:chgData name="Stachowski, Alicia" userId="8d8bb751-d8e6-49ef-8598-5f8fd7e84344" providerId="ADAL" clId="{551A6C25-DCC9-4F09-8CDB-88290CB5A953}" dt="2025-04-14T15:14:38.916" v="28" actId="1035"/>
           <ac:spMkLst>
             <pc:docMk/>
             <pc:sldMk cId="369818155" sldId="256"/>
@@ -152,7 +152,7 @@
           </ac:spMkLst>
         </pc:spChg>
         <pc:spChg chg="mod">
-          <ac:chgData name="Stachowski, Alicia" userId="8d8bb751-d8e6-49ef-8598-5f8fd7e84344" providerId="ADAL" clId="{551A6C25-DCC9-4F09-8CDB-88290CB5A953}" dt="2025-04-14T13:56:43.792" v="0" actId="2711"/>
+          <ac:chgData name="Stachowski, Alicia" userId="8d8bb751-d8e6-49ef-8598-5f8fd7e84344" providerId="ADAL" clId="{551A6C25-DCC9-4F09-8CDB-88290CB5A953}" dt="2025-04-14T15:14:38.916" v="28" actId="1035"/>
           <ac:spMkLst>
             <pc:docMk/>
             <pc:sldMk cId="369818155" sldId="256"/>
@@ -160,7 +160,7 @@
           </ac:spMkLst>
         </pc:spChg>
         <pc:spChg chg="mod">
-          <ac:chgData name="Stachowski, Alicia" userId="8d8bb751-d8e6-49ef-8598-5f8fd7e84344" providerId="ADAL" clId="{551A6C25-DCC9-4F09-8CDB-88290CB5A953}" dt="2025-04-14T13:56:43.792" v="0" actId="2711"/>
+          <ac:chgData name="Stachowski, Alicia" userId="8d8bb751-d8e6-49ef-8598-5f8fd7e84344" providerId="ADAL" clId="{551A6C25-DCC9-4F09-8CDB-88290CB5A953}" dt="2025-04-14T15:14:38.916" v="28" actId="1035"/>
           <ac:spMkLst>
             <pc:docMk/>
             <pc:sldMk cId="369818155" sldId="256"/>
@@ -168,7 +168,7 @@
           </ac:spMkLst>
         </pc:spChg>
         <pc:spChg chg="mod">
-          <ac:chgData name="Stachowski, Alicia" userId="8d8bb751-d8e6-49ef-8598-5f8fd7e84344" providerId="ADAL" clId="{551A6C25-DCC9-4F09-8CDB-88290CB5A953}" dt="2025-04-14T13:56:43.792" v="0" actId="2711"/>
+          <ac:chgData name="Stachowski, Alicia" userId="8d8bb751-d8e6-49ef-8598-5f8fd7e84344" providerId="ADAL" clId="{551A6C25-DCC9-4F09-8CDB-88290CB5A953}" dt="2025-04-14T15:14:52.350" v="29" actId="207"/>
           <ac:spMkLst>
             <pc:docMk/>
             <pc:sldMk cId="369818155" sldId="256"/>
@@ -176,7 +176,7 @@
           </ac:spMkLst>
         </pc:spChg>
         <pc:spChg chg="mod">
-          <ac:chgData name="Stachowski, Alicia" userId="8d8bb751-d8e6-49ef-8598-5f8fd7e84344" providerId="ADAL" clId="{551A6C25-DCC9-4F09-8CDB-88290CB5A953}" dt="2025-04-14T13:56:43.792" v="0" actId="2711"/>
+          <ac:chgData name="Stachowski, Alicia" userId="8d8bb751-d8e6-49ef-8598-5f8fd7e84344" providerId="ADAL" clId="{551A6C25-DCC9-4F09-8CDB-88290CB5A953}" dt="2025-04-14T15:14:38.916" v="28" actId="1035"/>
           <ac:spMkLst>
             <pc:docMk/>
             <pc:sldMk cId="369818155" sldId="256"/>
@@ -184,7 +184,7 @@
           </ac:spMkLst>
         </pc:spChg>
         <pc:spChg chg="mod">
-          <ac:chgData name="Stachowski, Alicia" userId="8d8bb751-d8e6-49ef-8598-5f8fd7e84344" providerId="ADAL" clId="{551A6C25-DCC9-4F09-8CDB-88290CB5A953}" dt="2025-04-14T13:56:43.792" v="0" actId="2711"/>
+          <ac:chgData name="Stachowski, Alicia" userId="8d8bb751-d8e6-49ef-8598-5f8fd7e84344" providerId="ADAL" clId="{551A6C25-DCC9-4F09-8CDB-88290CB5A953}" dt="2025-04-14T15:14:38.916" v="28" actId="1035"/>
           <ac:spMkLst>
             <pc:docMk/>
             <pc:sldMk cId="369818155" sldId="256"/>
@@ -192,7 +192,7 @@
           </ac:spMkLst>
         </pc:spChg>
         <pc:spChg chg="mod">
-          <ac:chgData name="Stachowski, Alicia" userId="8d8bb751-d8e6-49ef-8598-5f8fd7e84344" providerId="ADAL" clId="{551A6C25-DCC9-4F09-8CDB-88290CB5A953}" dt="2025-04-14T13:56:43.792" v="0" actId="2711"/>
+          <ac:chgData name="Stachowski, Alicia" userId="8d8bb751-d8e6-49ef-8598-5f8fd7e84344" providerId="ADAL" clId="{551A6C25-DCC9-4F09-8CDB-88290CB5A953}" dt="2025-04-14T15:14:38.916" v="28" actId="1035"/>
           <ac:spMkLst>
             <pc:docMk/>
             <pc:sldMk cId="369818155" sldId="256"/>
@@ -200,7 +200,7 @@
           </ac:spMkLst>
         </pc:spChg>
         <pc:spChg chg="mod">
-          <ac:chgData name="Stachowski, Alicia" userId="8d8bb751-d8e6-49ef-8598-5f8fd7e84344" providerId="ADAL" clId="{551A6C25-DCC9-4F09-8CDB-88290CB5A953}" dt="2025-04-14T13:56:43.792" v="0" actId="2711"/>
+          <ac:chgData name="Stachowski, Alicia" userId="8d8bb751-d8e6-49ef-8598-5f8fd7e84344" providerId="ADAL" clId="{551A6C25-DCC9-4F09-8CDB-88290CB5A953}" dt="2025-04-14T15:14:38.916" v="28" actId="1035"/>
           <ac:spMkLst>
             <pc:docMk/>
             <pc:sldMk cId="369818155" sldId="256"/>
@@ -3441,7 +3441,7 @@
         </p:nvSpPr>
         <p:spPr>
           <a:xfrm>
-            <a:off x="4798143" y="58991"/>
+            <a:off x="4798143" y="609597"/>
             <a:ext cx="1858296" cy="338554"/>
           </a:xfrm>
           <a:prstGeom prst="rect">
@@ -3485,7 +3485,7 @@
         </p:nvSpPr>
         <p:spPr>
           <a:xfrm>
-            <a:off x="1140542" y="804327"/>
+            <a:off x="1140542" y="1354933"/>
             <a:ext cx="1858296" cy="338554"/>
           </a:xfrm>
           <a:prstGeom prst="rect">
@@ -3515,7 +3515,7 @@
                 <a:latin typeface="Times New Roman" panose="02020603050405020304" pitchFamily="18" charset="0"/>
                 <a:cs typeface="Times New Roman" panose="02020603050405020304" pitchFamily="18" charset="0"/>
               </a:rPr>
-              <a:t>Skills (k = 35</a:t>
+              <a:t>Skills (k = 35)</a:t>
             </a:r>
           </a:p>
         </p:txBody>
@@ -3534,7 +3534,7 @@
         </p:nvSpPr>
         <p:spPr>
           <a:xfrm>
-            <a:off x="3350345" y="797655"/>
+            <a:off x="3350345" y="1348261"/>
             <a:ext cx="2544093" cy="338554"/>
           </a:xfrm>
           <a:prstGeom prst="rect">
@@ -3578,7 +3578,7 @@
         </p:nvSpPr>
         <p:spPr>
           <a:xfrm>
-            <a:off x="5894438" y="797655"/>
+            <a:off x="5894438" y="1348261"/>
             <a:ext cx="2305664" cy="338554"/>
           </a:xfrm>
           <a:prstGeom prst="rect">
@@ -3622,7 +3622,7 @@
         </p:nvSpPr>
         <p:spPr>
           <a:xfrm>
-            <a:off x="8471722" y="804327"/>
+            <a:off x="8471722" y="1354933"/>
             <a:ext cx="2030360" cy="338554"/>
           </a:xfrm>
           <a:prstGeom prst="rect">
@@ -3673,7 +3673,7 @@
         </p:nvCxnSpPr>
         <p:spPr>
           <a:xfrm>
-            <a:off x="6096000" y="428323"/>
+            <a:off x="6096000" y="978929"/>
             <a:ext cx="403123" cy="369332"/>
           </a:xfrm>
           <a:prstGeom prst="straightConnector1">
@@ -3714,7 +3714,7 @@
         </p:nvCxnSpPr>
         <p:spPr>
           <a:xfrm flipH="1">
-            <a:off x="4971437" y="428323"/>
+            <a:off x="4971437" y="978929"/>
             <a:ext cx="391444" cy="369332"/>
           </a:xfrm>
           <a:prstGeom prst="straightConnector1">
@@ -3753,7 +3753,7 @@
         </p:nvSpPr>
         <p:spPr>
           <a:xfrm>
-            <a:off x="1175030" y="1430521"/>
+            <a:off x="1175030" y="1981127"/>
             <a:ext cx="9361540" cy="1569660"/>
           </a:xfrm>
           <a:prstGeom prst="rect">
@@ -3774,9 +3774,6 @@
           <a:p>
             <a:r>
               <a:rPr lang="en-US" sz="1600" b="0" i="0" dirty="0">
-                <a:solidFill>
-                  <a:srgbClr val="32363A"/>
-                </a:solidFill>
                 <a:effectLst/>
                 <a:latin typeface="Times New Roman" panose="02020603050405020304" pitchFamily="18" charset="0"/>
                 <a:cs typeface="Times New Roman" panose="02020603050405020304" pitchFamily="18" charset="0"/>
@@ -3786,9 +3783,6 @@
           </a:p>
           <a:p>
             <a:endParaRPr lang="en-US" sz="1600" dirty="0">
-              <a:solidFill>
-                <a:srgbClr val="32363A"/>
-              </a:solidFill>
               <a:latin typeface="Times New Roman" panose="02020603050405020304" pitchFamily="18" charset="0"/>
               <a:cs typeface="Times New Roman" panose="02020603050405020304" pitchFamily="18" charset="0"/>
             </a:endParaRPr>
@@ -3796,9 +3790,6 @@
           <a:p>
             <a:r>
               <a:rPr lang="en-US" sz="1600" dirty="0">
-                <a:solidFill>
-                  <a:srgbClr val="32363A"/>
-                </a:solidFill>
                 <a:latin typeface="Times New Roman" panose="02020603050405020304" pitchFamily="18" charset="0"/>
                 <a:cs typeface="Times New Roman" panose="02020603050405020304" pitchFamily="18" charset="0"/>
               </a:rPr>
@@ -3806,9 +3797,6 @@
             </a:r>
             <a:r>
               <a:rPr lang="en-US" sz="1600" b="0" i="0" dirty="0">
-                <a:solidFill>
-                  <a:srgbClr val="32363A"/>
-                </a:solidFill>
                 <a:effectLst/>
                 <a:latin typeface="Times New Roman" panose="02020603050405020304" pitchFamily="18" charset="0"/>
                 <a:cs typeface="Times New Roman" panose="02020603050405020304" pitchFamily="18" charset="0"/>
@@ -3817,9 +3805,6 @@
             </a:r>
             <a:r>
               <a:rPr lang="en-US" sz="1600" dirty="0">
-                <a:solidFill>
-                  <a:srgbClr val="32363A"/>
-                </a:solidFill>
                 <a:latin typeface="Times New Roman" panose="02020603050405020304" pitchFamily="18" charset="0"/>
                 <a:cs typeface="Times New Roman" panose="02020603050405020304" pitchFamily="18" charset="0"/>
               </a:rPr>
@@ -3844,7 +3829,7 @@
         </p:nvCxnSpPr>
         <p:spPr>
           <a:xfrm>
-            <a:off x="5894438" y="1166987"/>
+            <a:off x="5894438" y="1717593"/>
             <a:ext cx="0" cy="278355"/>
           </a:xfrm>
           <a:prstGeom prst="straightConnector1">
@@ -3883,7 +3868,7 @@
         </p:nvSpPr>
         <p:spPr>
           <a:xfrm>
-            <a:off x="339826" y="4401045"/>
+            <a:off x="339826" y="4951651"/>
             <a:ext cx="3873908" cy="1323439"/>
           </a:xfrm>
           <a:prstGeom prst="rect">
@@ -3926,7 +3911,7 @@
         </p:nvSpPr>
         <p:spPr>
           <a:xfrm>
-            <a:off x="3350345" y="3300411"/>
+            <a:off x="3350345" y="3851017"/>
             <a:ext cx="5584722" cy="830997"/>
           </a:xfrm>
           <a:prstGeom prst="rect">
@@ -3969,7 +3954,7 @@
         </p:nvSpPr>
         <p:spPr>
           <a:xfrm>
-            <a:off x="4575069" y="4409763"/>
+            <a:off x="4575069" y="4960369"/>
             <a:ext cx="3413640" cy="1077218"/>
           </a:xfrm>
           <a:prstGeom prst="rect">
@@ -4012,7 +3997,7 @@
         </p:nvSpPr>
         <p:spPr>
           <a:xfrm>
-            <a:off x="8350044" y="4409763"/>
+            <a:off x="8350044" y="4960369"/>
             <a:ext cx="3413640" cy="1077218"/>
           </a:xfrm>
           <a:prstGeom prst="rect">
@@ -4057,7 +4042,7 @@
         </p:nvCxnSpPr>
         <p:spPr>
           <a:xfrm>
-            <a:off x="5860717" y="3022056"/>
+            <a:off x="5860717" y="3572662"/>
             <a:ext cx="0" cy="278355"/>
           </a:xfrm>
           <a:prstGeom prst="straightConnector1">
@@ -4098,7 +4083,7 @@
         </p:nvCxnSpPr>
         <p:spPr>
           <a:xfrm>
-            <a:off x="8935067" y="4031713"/>
+            <a:off x="8935067" y="4582319"/>
             <a:ext cx="403123" cy="369332"/>
           </a:xfrm>
           <a:prstGeom prst="straightConnector1">
@@ -4139,7 +4124,7 @@
         </p:nvCxnSpPr>
         <p:spPr>
           <a:xfrm flipH="1">
-            <a:off x="2958901" y="4033984"/>
+            <a:off x="2958901" y="4584590"/>
             <a:ext cx="391444" cy="369332"/>
           </a:xfrm>
           <a:prstGeom prst="straightConnector1">
@@ -4180,7 +4165,7 @@
         </p:nvCxnSpPr>
         <p:spPr>
           <a:xfrm>
-            <a:off x="5894438" y="4131408"/>
+            <a:off x="5894438" y="4682014"/>
             <a:ext cx="0" cy="278355"/>
           </a:xfrm>
           <a:prstGeom prst="straightConnector1">
